--- a/2013180010 2D project final.pptx
+++ b/2013180010 2D project final.pptx
@@ -242,7 +242,7 @@
           <a:p>
             <a:fld id="{DE2F1BC5-FF52-4A75-96EC-82E06D7D16C9}" type="datetimeFigureOut">
               <a:rPr lang="ko-KR" altLang="en-US" smtClean="0"/>
-              <a:t>2016-12-21</a:t>
+              <a:t>2016-12-22</a:t>
             </a:fld>
             <a:endParaRPr lang="ko-KR" altLang="en-US"/>
           </a:p>
@@ -410,7 +410,7 @@
           <a:p>
             <a:fld id="{DE2F1BC5-FF52-4A75-96EC-82E06D7D16C9}" type="datetimeFigureOut">
               <a:rPr lang="ko-KR" altLang="en-US" smtClean="0"/>
-              <a:t>2016-12-21</a:t>
+              <a:t>2016-12-22</a:t>
             </a:fld>
             <a:endParaRPr lang="ko-KR" altLang="en-US"/>
           </a:p>
@@ -588,7 +588,7 @@
           <a:p>
             <a:fld id="{DE2F1BC5-FF52-4A75-96EC-82E06D7D16C9}" type="datetimeFigureOut">
               <a:rPr lang="ko-KR" altLang="en-US" smtClean="0"/>
-              <a:t>2016-12-21</a:t>
+              <a:t>2016-12-22</a:t>
             </a:fld>
             <a:endParaRPr lang="ko-KR" altLang="en-US"/>
           </a:p>
@@ -756,7 +756,7 @@
           <a:p>
             <a:fld id="{DE2F1BC5-FF52-4A75-96EC-82E06D7D16C9}" type="datetimeFigureOut">
               <a:rPr lang="ko-KR" altLang="en-US" smtClean="0"/>
-              <a:t>2016-12-21</a:t>
+              <a:t>2016-12-22</a:t>
             </a:fld>
             <a:endParaRPr lang="ko-KR" altLang="en-US"/>
           </a:p>
@@ -1001,7 +1001,7 @@
           <a:p>
             <a:fld id="{DE2F1BC5-FF52-4A75-96EC-82E06D7D16C9}" type="datetimeFigureOut">
               <a:rPr lang="ko-KR" altLang="en-US" smtClean="0"/>
-              <a:t>2016-12-21</a:t>
+              <a:t>2016-12-22</a:t>
             </a:fld>
             <a:endParaRPr lang="ko-KR" altLang="en-US"/>
           </a:p>
@@ -1230,7 +1230,7 @@
           <a:p>
             <a:fld id="{DE2F1BC5-FF52-4A75-96EC-82E06D7D16C9}" type="datetimeFigureOut">
               <a:rPr lang="ko-KR" altLang="en-US" smtClean="0"/>
-              <a:t>2016-12-21</a:t>
+              <a:t>2016-12-22</a:t>
             </a:fld>
             <a:endParaRPr lang="ko-KR" altLang="en-US"/>
           </a:p>
@@ -1594,7 +1594,7 @@
           <a:p>
             <a:fld id="{DE2F1BC5-FF52-4A75-96EC-82E06D7D16C9}" type="datetimeFigureOut">
               <a:rPr lang="ko-KR" altLang="en-US" smtClean="0"/>
-              <a:t>2016-12-21</a:t>
+              <a:t>2016-12-22</a:t>
             </a:fld>
             <a:endParaRPr lang="ko-KR" altLang="en-US"/>
           </a:p>
@@ -1711,7 +1711,7 @@
           <a:p>
             <a:fld id="{DE2F1BC5-FF52-4A75-96EC-82E06D7D16C9}" type="datetimeFigureOut">
               <a:rPr lang="ko-KR" altLang="en-US" smtClean="0"/>
-              <a:t>2016-12-21</a:t>
+              <a:t>2016-12-22</a:t>
             </a:fld>
             <a:endParaRPr lang="ko-KR" altLang="en-US"/>
           </a:p>
@@ -1806,7 +1806,7 @@
           <a:p>
             <a:fld id="{DE2F1BC5-FF52-4A75-96EC-82E06D7D16C9}" type="datetimeFigureOut">
               <a:rPr lang="ko-KR" altLang="en-US" smtClean="0"/>
-              <a:t>2016-12-21</a:t>
+              <a:t>2016-12-22</a:t>
             </a:fld>
             <a:endParaRPr lang="ko-KR" altLang="en-US"/>
           </a:p>
@@ -2081,7 +2081,7 @@
           <a:p>
             <a:fld id="{DE2F1BC5-FF52-4A75-96EC-82E06D7D16C9}" type="datetimeFigureOut">
               <a:rPr lang="ko-KR" altLang="en-US" smtClean="0"/>
-              <a:t>2016-12-21</a:t>
+              <a:t>2016-12-22</a:t>
             </a:fld>
             <a:endParaRPr lang="ko-KR" altLang="en-US"/>
           </a:p>
@@ -2333,7 +2333,7 @@
           <a:p>
             <a:fld id="{DE2F1BC5-FF52-4A75-96EC-82E06D7D16C9}" type="datetimeFigureOut">
               <a:rPr lang="ko-KR" altLang="en-US" smtClean="0"/>
-              <a:t>2016-12-21</a:t>
+              <a:t>2016-12-22</a:t>
             </a:fld>
             <a:endParaRPr lang="ko-KR" altLang="en-US"/>
           </a:p>
@@ -2544,7 +2544,7 @@
           <a:p>
             <a:fld id="{DE2F1BC5-FF52-4A75-96EC-82E06D7D16C9}" type="datetimeFigureOut">
               <a:rPr lang="ko-KR" altLang="en-US" smtClean="0"/>
-              <a:t>2016-12-21</a:t>
+              <a:t>2016-12-22</a:t>
             </a:fld>
             <a:endParaRPr lang="ko-KR" altLang="en-US"/>
           </a:p>
@@ -3210,7 +3210,7 @@
             <p:ph idx="1"/>
             <p:extLst>
               <p:ext uri="{D42A27DB-BD31-4B8C-83A1-F6EECF244321}">
-                <p14:modId xmlns:p14="http://schemas.microsoft.com/office/powerpoint/2010/main" val="490134934"/>
+                <p14:modId xmlns:p14="http://schemas.microsoft.com/office/powerpoint/2010/main" val="3766916496"/>
               </p:ext>
             </p:extLst>
           </p:nvPr>
@@ -3434,6 +3434,15 @@
                         <a:rPr lang="ko-KR" altLang="en-US" dirty="0"/>
                         <a:t>장애물과의 충돌</a:t>
                       </a:r>
+                      <a:r>
+                        <a:rPr lang="en-US" altLang="ko-KR" dirty="0"/>
+                        <a:t>, </a:t>
+                      </a:r>
+                      <a:r>
+                        <a:rPr lang="ko-KR" altLang="en-US" dirty="0" err="1"/>
+                        <a:t>낙사</a:t>
+                      </a:r>
+                      <a:endParaRPr lang="ko-KR" altLang="en-US" dirty="0"/>
                     </a:p>
                   </a:txBody>
                   <a:tcPr/>
@@ -3445,8 +3454,8 @@
                     <a:p>
                       <a:pPr latinLnBrk="1"/>
                       <a:r>
-                        <a:rPr lang="en-US" altLang="ko-KR"/>
-                        <a:t>80%</a:t>
+                        <a:rPr lang="en-US" altLang="ko-KR" dirty="0"/>
+                        <a:t>100%</a:t>
                       </a:r>
                       <a:endParaRPr lang="ko-KR" altLang="en-US" dirty="0"/>
                     </a:p>
